--- a/v1/podo_uiux.pptx
+++ b/v1/podo_uiux.pptx
@@ -4,9 +4,6 @@
   <p:sldMasterIdLst>
     <p:sldMasterId id="2147483648" r:id="rId1"/>
   </p:sldMasterIdLst>
-  <p:notesMasterIdLst>
-    <p:notesMasterId r:id="rId9"/>
-  </p:notesMasterIdLst>
   <p:sldIdLst>
     <p:sldId id="256" r:id="rId2"/>
     <p:sldId id="257" r:id="rId3"/>
@@ -132,439 +129,6 @@
 </p:presentation>
 </file>
 
-<file path=ppt/notesMasters/notesMaster1.xml><?xml version="1.0" encoding="utf-8"?>
-<p:notesMaster xmlns:a="http://schemas.openxmlformats.org/drawingml/2006/main" xmlns:r="http://schemas.openxmlformats.org/officeDocument/2006/relationships" xmlns:p="http://schemas.openxmlformats.org/presentationml/2006/main">
-  <p:cSld>
-    <p:bg>
-      <p:bgRef idx="1001">
-        <a:schemeClr val="bg1"/>
-      </p:bgRef>
-    </p:bg>
-    <p:spTree>
-      <p:nvGrpSpPr>
-        <p:cNvPr id="1" name=""/>
-        <p:cNvGrpSpPr/>
-        <p:nvPr/>
-      </p:nvGrpSpPr>
-      <p:grpSpPr>
-        <a:xfrm>
-          <a:off x="0" y="0"/>
-          <a:ext cx="0" cy="0"/>
-          <a:chOff x="0" y="0"/>
-          <a:chExt cx="0" cy="0"/>
-        </a:xfrm>
-      </p:grpSpPr>
-      <p:sp>
-        <p:nvSpPr>
-          <p:cNvPr id="2" name="머리글 개체 틀 1"/>
-          <p:cNvSpPr>
-            <a:spLocks noGrp="1"/>
-          </p:cNvSpPr>
-          <p:nvPr>
-            <p:ph type="hdr" sz="quarter"/>
-          </p:nvPr>
-        </p:nvSpPr>
-        <p:spPr>
-          <a:xfrm>
-            <a:off x="0" y="0"/>
-            <a:ext cx="4457700" cy="917575"/>
-          </a:xfrm>
-          <a:prstGeom prst="rect">
-            <a:avLst/>
-          </a:prstGeom>
-        </p:spPr>
-        <p:txBody>
-          <a:bodyPr vert="horz" lIns="91440" tIns="45720" rIns="91440" bIns="45720" rtlCol="0"/>
-          <a:lstStyle>
-            <a:lvl1pPr algn="l">
-              <a:defRPr sz="1200"/>
-            </a:lvl1pPr>
-          </a:lstStyle>
-          <a:p>
-            <a:endParaRPr lang="ko-KR" altLang="en-US"/>
-          </a:p>
-        </p:txBody>
-      </p:sp>
-      <p:sp>
-        <p:nvSpPr>
-          <p:cNvPr id="3" name="날짜 개체 틀 2"/>
-          <p:cNvSpPr>
-            <a:spLocks noGrp="1"/>
-          </p:cNvSpPr>
-          <p:nvPr>
-            <p:ph type="dt" idx="1"/>
-          </p:nvPr>
-        </p:nvSpPr>
-        <p:spPr>
-          <a:xfrm>
-            <a:off x="5827713" y="0"/>
-            <a:ext cx="4457700" cy="917575"/>
-          </a:xfrm>
-          <a:prstGeom prst="rect">
-            <a:avLst/>
-          </a:prstGeom>
-        </p:spPr>
-        <p:txBody>
-          <a:bodyPr vert="horz" lIns="91440" tIns="45720" rIns="91440" bIns="45720" rtlCol="0"/>
-          <a:lstStyle>
-            <a:lvl1pPr algn="r">
-              <a:defRPr sz="1200"/>
-            </a:lvl1pPr>
-          </a:lstStyle>
-          <a:p>
-            <a:fld id="{64D9619B-F472-4BE9-BC91-16991EC74D0C}" type="datetimeFigureOut">
-              <a:rPr lang="ko-KR" altLang="en-US" smtClean="0"/>
-              <a:t>2024-09-30</a:t>
-            </a:fld>
-            <a:endParaRPr lang="ko-KR" altLang="en-US"/>
-          </a:p>
-        </p:txBody>
-      </p:sp>
-      <p:sp>
-        <p:nvSpPr>
-          <p:cNvPr id="4" name="슬라이드 이미지 개체 틀 3"/>
-          <p:cNvSpPr>
-            <a:spLocks noGrp="1" noRot="1" noChangeAspect="1"/>
-          </p:cNvSpPr>
-          <p:nvPr>
-            <p:ph type="sldImg" idx="2"/>
-          </p:nvPr>
-        </p:nvSpPr>
-        <p:spPr>
-          <a:xfrm>
-            <a:off x="-342900" y="2286000"/>
-            <a:ext cx="10972800" cy="6172200"/>
-          </a:xfrm>
-          <a:prstGeom prst="rect">
-            <a:avLst/>
-          </a:prstGeom>
-          <a:noFill/>
-          <a:ln w="12700">
-            <a:solidFill>
-              <a:prstClr val="black"/>
-            </a:solidFill>
-          </a:ln>
-        </p:spPr>
-        <p:txBody>
-          <a:bodyPr vert="horz" lIns="91440" tIns="45720" rIns="91440" bIns="45720" rtlCol="0" anchor="ctr"/>
-          <a:lstStyle/>
-          <a:p>
-            <a:endParaRPr lang="ko-KR" altLang="en-US"/>
-          </a:p>
-        </p:txBody>
-      </p:sp>
-      <p:sp>
-        <p:nvSpPr>
-          <p:cNvPr id="5" name="슬라이드 노트 개체 틀 4"/>
-          <p:cNvSpPr>
-            <a:spLocks noGrp="1"/>
-          </p:cNvSpPr>
-          <p:nvPr>
-            <p:ph type="body" sz="quarter" idx="3"/>
-          </p:nvPr>
-        </p:nvSpPr>
-        <p:spPr>
-          <a:xfrm>
-            <a:off x="1028700" y="8801100"/>
-            <a:ext cx="8229600" cy="7200900"/>
-          </a:xfrm>
-          <a:prstGeom prst="rect">
-            <a:avLst/>
-          </a:prstGeom>
-        </p:spPr>
-        <p:txBody>
-          <a:bodyPr vert="horz" lIns="91440" tIns="45720" rIns="91440" bIns="45720" rtlCol="0"/>
-          <a:lstStyle/>
-          <a:p>
-            <a:pPr lvl="0"/>
-            <a:r>
-              <a:rPr lang="ko-KR" altLang="en-US"/>
-              <a:t>마스터 텍스트 스타일을 편집하려면 클릭</a:t>
-            </a:r>
-          </a:p>
-          <a:p>
-            <a:pPr lvl="1"/>
-            <a:r>
-              <a:rPr lang="ko-KR" altLang="en-US"/>
-              <a:t>두 번째 수준</a:t>
-            </a:r>
-          </a:p>
-          <a:p>
-            <a:pPr lvl="2"/>
-            <a:r>
-              <a:rPr lang="ko-KR" altLang="en-US"/>
-              <a:t>세 번째 수준</a:t>
-            </a:r>
-          </a:p>
-          <a:p>
-            <a:pPr lvl="3"/>
-            <a:r>
-              <a:rPr lang="ko-KR" altLang="en-US"/>
-              <a:t>네 번째 수준</a:t>
-            </a:r>
-          </a:p>
-          <a:p>
-            <a:pPr lvl="4"/>
-            <a:r>
-              <a:rPr lang="ko-KR" altLang="en-US"/>
-              <a:t>다섯 번째 수준</a:t>
-            </a:r>
-          </a:p>
-        </p:txBody>
-      </p:sp>
-      <p:sp>
-        <p:nvSpPr>
-          <p:cNvPr id="6" name="바닥글 개체 틀 5"/>
-          <p:cNvSpPr>
-            <a:spLocks noGrp="1"/>
-          </p:cNvSpPr>
-          <p:nvPr>
-            <p:ph type="ftr" sz="quarter" idx="4"/>
-          </p:nvPr>
-        </p:nvSpPr>
-        <p:spPr>
-          <a:xfrm>
-            <a:off x="0" y="17372013"/>
-            <a:ext cx="4457700" cy="915987"/>
-          </a:xfrm>
-          <a:prstGeom prst="rect">
-            <a:avLst/>
-          </a:prstGeom>
-        </p:spPr>
-        <p:txBody>
-          <a:bodyPr vert="horz" lIns="91440" tIns="45720" rIns="91440" bIns="45720" rtlCol="0" anchor="b"/>
-          <a:lstStyle>
-            <a:lvl1pPr algn="l">
-              <a:defRPr sz="1200"/>
-            </a:lvl1pPr>
-          </a:lstStyle>
-          <a:p>
-            <a:endParaRPr lang="ko-KR" altLang="en-US"/>
-          </a:p>
-        </p:txBody>
-      </p:sp>
-      <p:sp>
-        <p:nvSpPr>
-          <p:cNvPr id="7" name="슬라이드 번호 개체 틀 6"/>
-          <p:cNvSpPr>
-            <a:spLocks noGrp="1"/>
-          </p:cNvSpPr>
-          <p:nvPr>
-            <p:ph type="sldNum" sz="quarter" idx="5"/>
-          </p:nvPr>
-        </p:nvSpPr>
-        <p:spPr>
-          <a:xfrm>
-            <a:off x="5827713" y="17372013"/>
-            <a:ext cx="4457700" cy="915987"/>
-          </a:xfrm>
-          <a:prstGeom prst="rect">
-            <a:avLst/>
-          </a:prstGeom>
-        </p:spPr>
-        <p:txBody>
-          <a:bodyPr vert="horz" lIns="91440" tIns="45720" rIns="91440" bIns="45720" rtlCol="0" anchor="b"/>
-          <a:lstStyle>
-            <a:lvl1pPr algn="r">
-              <a:defRPr sz="1200"/>
-            </a:lvl1pPr>
-          </a:lstStyle>
-          <a:p>
-            <a:fld id="{32F9850C-2237-44C4-B28A-5412FF858F16}" type="slidenum">
-              <a:rPr lang="ko-KR" altLang="en-US" smtClean="0"/>
-              <a:t>‹#›</a:t>
-            </a:fld>
-            <a:endParaRPr lang="ko-KR" altLang="en-US"/>
-          </a:p>
-        </p:txBody>
-      </p:sp>
-    </p:spTree>
-    <p:extLst>
-      <p:ext uri="{BB962C8B-B14F-4D97-AF65-F5344CB8AC3E}">
-        <p14:creationId xmlns:p14="http://schemas.microsoft.com/office/powerpoint/2010/main" val="3352420196"/>
-      </p:ext>
-    </p:extLst>
-  </p:cSld>
-  <p:clrMap bg1="lt1" tx1="dk1" bg2="lt2" tx2="dk2" accent1="accent1" accent2="accent2" accent3="accent3" accent4="accent4" accent5="accent5" accent6="accent6" hlink="hlink" folHlink="folHlink"/>
-  <p:notesStyle>
-    <a:lvl1pPr marL="0" algn="l" defTabSz="914400" rtl="0" eaLnBrk="1" latinLnBrk="1" hangingPunct="1">
-      <a:defRPr sz="1200" kern="1200">
-        <a:solidFill>
-          <a:schemeClr val="tx1"/>
-        </a:solidFill>
-        <a:latin typeface="+mn-lt"/>
-        <a:ea typeface="+mn-ea"/>
-        <a:cs typeface="+mn-cs"/>
-      </a:defRPr>
-    </a:lvl1pPr>
-    <a:lvl2pPr marL="457200" algn="l" defTabSz="914400" rtl="0" eaLnBrk="1" latinLnBrk="1" hangingPunct="1">
-      <a:defRPr sz="1200" kern="1200">
-        <a:solidFill>
-          <a:schemeClr val="tx1"/>
-        </a:solidFill>
-        <a:latin typeface="+mn-lt"/>
-        <a:ea typeface="+mn-ea"/>
-        <a:cs typeface="+mn-cs"/>
-      </a:defRPr>
-    </a:lvl2pPr>
-    <a:lvl3pPr marL="914400" algn="l" defTabSz="914400" rtl="0" eaLnBrk="1" latinLnBrk="1" hangingPunct="1">
-      <a:defRPr sz="1200" kern="1200">
-        <a:solidFill>
-          <a:schemeClr val="tx1"/>
-        </a:solidFill>
-        <a:latin typeface="+mn-lt"/>
-        <a:ea typeface="+mn-ea"/>
-        <a:cs typeface="+mn-cs"/>
-      </a:defRPr>
-    </a:lvl3pPr>
-    <a:lvl4pPr marL="1371600" algn="l" defTabSz="914400" rtl="0" eaLnBrk="1" latinLnBrk="1" hangingPunct="1">
-      <a:defRPr sz="1200" kern="1200">
-        <a:solidFill>
-          <a:schemeClr val="tx1"/>
-        </a:solidFill>
-        <a:latin typeface="+mn-lt"/>
-        <a:ea typeface="+mn-ea"/>
-        <a:cs typeface="+mn-cs"/>
-      </a:defRPr>
-    </a:lvl4pPr>
-    <a:lvl5pPr marL="1828800" algn="l" defTabSz="914400" rtl="0" eaLnBrk="1" latinLnBrk="1" hangingPunct="1">
-      <a:defRPr sz="1200" kern="1200">
-        <a:solidFill>
-          <a:schemeClr val="tx1"/>
-        </a:solidFill>
-        <a:latin typeface="+mn-lt"/>
-        <a:ea typeface="+mn-ea"/>
-        <a:cs typeface="+mn-cs"/>
-      </a:defRPr>
-    </a:lvl5pPr>
-    <a:lvl6pPr marL="2286000" algn="l" defTabSz="914400" rtl="0" eaLnBrk="1" latinLnBrk="1" hangingPunct="1">
-      <a:defRPr sz="1200" kern="1200">
-        <a:solidFill>
-          <a:schemeClr val="tx1"/>
-        </a:solidFill>
-        <a:latin typeface="+mn-lt"/>
-        <a:ea typeface="+mn-ea"/>
-        <a:cs typeface="+mn-cs"/>
-      </a:defRPr>
-    </a:lvl6pPr>
-    <a:lvl7pPr marL="2743200" algn="l" defTabSz="914400" rtl="0" eaLnBrk="1" latinLnBrk="1" hangingPunct="1">
-      <a:defRPr sz="1200" kern="1200">
-        <a:solidFill>
-          <a:schemeClr val="tx1"/>
-        </a:solidFill>
-        <a:latin typeface="+mn-lt"/>
-        <a:ea typeface="+mn-ea"/>
-        <a:cs typeface="+mn-cs"/>
-      </a:defRPr>
-    </a:lvl7pPr>
-    <a:lvl8pPr marL="3200400" algn="l" defTabSz="914400" rtl="0" eaLnBrk="1" latinLnBrk="1" hangingPunct="1">
-      <a:defRPr sz="1200" kern="1200">
-        <a:solidFill>
-          <a:schemeClr val="tx1"/>
-        </a:solidFill>
-        <a:latin typeface="+mn-lt"/>
-        <a:ea typeface="+mn-ea"/>
-        <a:cs typeface="+mn-cs"/>
-      </a:defRPr>
-    </a:lvl8pPr>
-    <a:lvl9pPr marL="3657600" algn="l" defTabSz="914400" rtl="0" eaLnBrk="1" latinLnBrk="1" hangingPunct="1">
-      <a:defRPr sz="1200" kern="1200">
-        <a:solidFill>
-          <a:schemeClr val="tx1"/>
-        </a:solidFill>
-        <a:latin typeface="+mn-lt"/>
-        <a:ea typeface="+mn-ea"/>
-        <a:cs typeface="+mn-cs"/>
-      </a:defRPr>
-    </a:lvl9pPr>
-  </p:notesStyle>
-</p:notesMaster>
-</file>
-
-<file path=ppt/notesSlides/notesSlide1.xml><?xml version="1.0" encoding="utf-8"?>
-<p:notes xmlns:a="http://schemas.openxmlformats.org/drawingml/2006/main" xmlns:r="http://schemas.openxmlformats.org/officeDocument/2006/relationships" xmlns:p="http://schemas.openxmlformats.org/presentationml/2006/main">
-  <p:cSld>
-    <p:spTree>
-      <p:nvGrpSpPr>
-        <p:cNvPr id="1" name=""/>
-        <p:cNvGrpSpPr/>
-        <p:nvPr/>
-      </p:nvGrpSpPr>
-      <p:grpSpPr>
-        <a:xfrm>
-          <a:off x="0" y="0"/>
-          <a:ext cx="0" cy="0"/>
-          <a:chOff x="0" y="0"/>
-          <a:chExt cx="0" cy="0"/>
-        </a:xfrm>
-      </p:grpSpPr>
-      <p:sp>
-        <p:nvSpPr>
-          <p:cNvPr id="2" name="슬라이드 이미지 개체 틀 1"/>
-          <p:cNvSpPr>
-            <a:spLocks noGrp="1" noRot="1" noChangeAspect="1"/>
-          </p:cNvSpPr>
-          <p:nvPr>
-            <p:ph type="sldImg"/>
-          </p:nvPr>
-        </p:nvSpPr>
-        <p:spPr/>
-      </p:sp>
-      <p:sp>
-        <p:nvSpPr>
-          <p:cNvPr id="3" name="슬라이드 노트 개체 틀 2"/>
-          <p:cNvSpPr>
-            <a:spLocks noGrp="1"/>
-          </p:cNvSpPr>
-          <p:nvPr>
-            <p:ph type="body" idx="1"/>
-          </p:nvPr>
-        </p:nvSpPr>
-        <p:spPr/>
-        <p:txBody>
-          <a:bodyPr/>
-          <a:lstStyle/>
-          <a:p>
-            <a:endParaRPr lang="ko-KR" altLang="en-US" dirty="0"/>
-          </a:p>
-        </p:txBody>
-      </p:sp>
-      <p:sp>
-        <p:nvSpPr>
-          <p:cNvPr id="4" name="슬라이드 번호 개체 틀 3"/>
-          <p:cNvSpPr>
-            <a:spLocks noGrp="1"/>
-          </p:cNvSpPr>
-          <p:nvPr>
-            <p:ph type="sldNum" sz="quarter" idx="5"/>
-          </p:nvPr>
-        </p:nvSpPr>
-        <p:spPr/>
-        <p:txBody>
-          <a:bodyPr/>
-          <a:lstStyle/>
-          <a:p>
-            <a:fld id="{32F9850C-2237-44C4-B28A-5412FF858F16}" type="slidenum">
-              <a:rPr lang="ko-KR" altLang="en-US" smtClean="0"/>
-              <a:t>6</a:t>
-            </a:fld>
-            <a:endParaRPr lang="ko-KR" altLang="en-US"/>
-          </a:p>
-        </p:txBody>
-      </p:sp>
-    </p:spTree>
-    <p:extLst>
-      <p:ext uri="{BB962C8B-B14F-4D97-AF65-F5344CB8AC3E}">
-        <p14:creationId xmlns:p14="http://schemas.microsoft.com/office/powerpoint/2010/main" val="3654900260"/>
-      </p:ext>
-    </p:extLst>
-  </p:cSld>
-  <p:clrMapOvr>
-    <a:masterClrMapping/>
-  </p:clrMapOvr>
-</p:notes>
-</file>
-
 <file path=ppt/slideLayouts/slideLayout1.xml><?xml version="1.0" encoding="utf-8"?>
 <p:sldLayout xmlns:a="http://schemas.openxmlformats.org/drawingml/2006/main" xmlns:r="http://schemas.openxmlformats.org/officeDocument/2006/relationships" xmlns:p="http://schemas.openxmlformats.org/presentationml/2006/main" type="title" preserve="1">
   <p:cSld name="Title Slide">
@@ -744,7 +308,7 @@
           <a:p>
             <a:fld id="{F8166F1F-CE9B-4651-A6AA-CD717754106B}" type="datetimeFigureOut">
               <a:rPr lang="en-US" smtClean="0"/>
-              <a:t>9/30/2024</a:t>
+              <a:t>9/25/2024</a:t>
             </a:fld>
             <a:endParaRPr lang="en-US"/>
           </a:p>
@@ -907,7 +471,7 @@
           <a:p>
             <a:fld id="{A76116CE-C4A3-4A05-B2D7-7C2E9A889C0F}" type="datetimeFigureOut">
               <a:rPr lang="en-US" smtClean="0"/>
-              <a:t>9/30/2024</a:t>
+              <a:t>9/25/2024</a:t>
             </a:fld>
             <a:endParaRPr lang="en-US"/>
           </a:p>
@@ -1080,7 +644,7 @@
           <a:p>
             <a:fld id="{A76116CE-C4A3-4A05-B2D7-7C2E9A889C0F}" type="datetimeFigureOut">
               <a:rPr lang="en-US" smtClean="0"/>
-              <a:t>9/30/2024</a:t>
+              <a:t>9/25/2024</a:t>
             </a:fld>
             <a:endParaRPr lang="en-US"/>
           </a:p>
@@ -1245,7 +809,7 @@
           <a:p>
             <a:fld id="{A76116CE-C4A3-4A05-B2D7-7C2E9A889C0F}" type="datetimeFigureOut">
               <a:rPr lang="en-US" smtClean="0"/>
-              <a:t>9/30/2024</a:t>
+              <a:t>9/25/2024</a:t>
             </a:fld>
             <a:endParaRPr lang="en-US"/>
           </a:p>
@@ -1485,7 +1049,7 @@
           <a:p>
             <a:fld id="{A76116CE-C4A3-4A05-B2D7-7C2E9A889C0F}" type="datetimeFigureOut">
               <a:rPr lang="en-US" smtClean="0"/>
-              <a:t>9/30/2024</a:t>
+              <a:t>9/25/2024</a:t>
             </a:fld>
             <a:endParaRPr lang="en-US"/>
           </a:p>
@@ -1765,7 +1329,7 @@
           <a:p>
             <a:fld id="{A76116CE-C4A3-4A05-B2D7-7C2E9A889C0F}" type="datetimeFigureOut">
               <a:rPr lang="en-US" smtClean="0"/>
-              <a:t>9/30/2024</a:t>
+              <a:t>9/25/2024</a:t>
             </a:fld>
             <a:endParaRPr lang="en-US"/>
           </a:p>
@@ -2179,7 +1743,7 @@
           <a:p>
             <a:fld id="{A76116CE-C4A3-4A05-B2D7-7C2E9A889C0F}" type="datetimeFigureOut">
               <a:rPr lang="en-US" smtClean="0"/>
-              <a:t>9/30/2024</a:t>
+              <a:t>9/25/2024</a:t>
             </a:fld>
             <a:endParaRPr lang="en-US"/>
           </a:p>
@@ -2291,7 +1855,7 @@
           <a:p>
             <a:fld id="{A76116CE-C4A3-4A05-B2D7-7C2E9A889C0F}" type="datetimeFigureOut">
               <a:rPr lang="en-US" smtClean="0"/>
-              <a:t>9/30/2024</a:t>
+              <a:t>9/25/2024</a:t>
             </a:fld>
             <a:endParaRPr lang="en-US"/>
           </a:p>
@@ -2381,7 +1945,7 @@
           <a:p>
             <a:fld id="{A76116CE-C4A3-4A05-B2D7-7C2E9A889C0F}" type="datetimeFigureOut">
               <a:rPr lang="en-US" smtClean="0"/>
-              <a:t>9/30/2024</a:t>
+              <a:t>9/25/2024</a:t>
             </a:fld>
             <a:endParaRPr lang="en-US"/>
           </a:p>
@@ -2651,7 +2215,7 @@
           <a:p>
             <a:fld id="{A76116CE-C4A3-4A05-B2D7-7C2E9A889C0F}" type="datetimeFigureOut">
               <a:rPr lang="en-US" smtClean="0"/>
-              <a:t>9/30/2024</a:t>
+              <a:t>9/25/2024</a:t>
             </a:fld>
             <a:endParaRPr lang="en-US"/>
           </a:p>
@@ -2898,7 +2462,7 @@
           <a:p>
             <a:fld id="{A76116CE-C4A3-4A05-B2D7-7C2E9A889C0F}" type="datetimeFigureOut">
               <a:rPr lang="en-US" smtClean="0"/>
-              <a:t>9/30/2024</a:t>
+              <a:t>9/25/2024</a:t>
             </a:fld>
             <a:endParaRPr lang="en-US"/>
           </a:p>
@@ -3104,7 +2668,7 @@
           <a:p>
             <a:fld id="{F8166F1F-CE9B-4651-A6AA-CD717754106B}" type="datetimeFigureOut">
               <a:rPr lang="en-US" smtClean="0"/>
-              <a:t>9/30/2024</a:t>
+              <a:t>9/25/2024</a:t>
             </a:fld>
             <a:endParaRPr lang="en-US"/>
           </a:p>
@@ -9652,7 +9216,7 @@
             <p:nvPr/>
           </p:nvPicPr>
           <p:blipFill>
-            <a:blip r:embed="rId3" cstate="print"/>
+            <a:blip r:embed="rId2" cstate="print"/>
             <a:stretch>
               <a:fillRect/>
             </a:stretch>
@@ -9691,7 +9255,7 @@
             <p:nvPr/>
           </p:nvPicPr>
           <p:blipFill>
-            <a:blip r:embed="rId4" cstate="print"/>
+            <a:blip r:embed="rId3" cstate="print"/>
             <a:stretch>
               <a:fillRect/>
             </a:stretch>
@@ -9730,7 +9294,7 @@
             <p:nvPr/>
           </p:nvPicPr>
           <p:blipFill>
-            <a:blip r:embed="rId4" cstate="print"/>
+            <a:blip r:embed="rId3" cstate="print"/>
             <a:stretch>
               <a:fillRect/>
             </a:stretch>
@@ -9769,7 +9333,7 @@
             <p:nvPr/>
           </p:nvPicPr>
           <p:blipFill>
-            <a:blip r:embed="rId5" cstate="print"/>
+            <a:blip r:embed="rId4" cstate="print"/>
             <a:stretch>
               <a:fillRect/>
             </a:stretch>
@@ -9808,7 +9372,7 @@
             <p:nvPr/>
           </p:nvPicPr>
           <p:blipFill>
-            <a:blip r:embed="rId4" cstate="print"/>
+            <a:blip r:embed="rId3" cstate="print"/>
             <a:stretch>
               <a:fillRect/>
             </a:stretch>
@@ -9847,7 +9411,7 @@
             <p:nvPr/>
           </p:nvPicPr>
           <p:blipFill>
-            <a:blip r:embed="rId6" cstate="print"/>
+            <a:blip r:embed="rId5" cstate="print"/>
             <a:stretch>
               <a:fillRect/>
             </a:stretch>
@@ -9900,7 +9464,7 @@
               <p:nvPr/>
             </p:nvPicPr>
             <p:blipFill>
-              <a:blip r:embed="rId7" cstate="print"/>
+              <a:blip r:embed="rId6" cstate="print"/>
               <a:stretch>
                 <a:fillRect/>
               </a:stretch>
@@ -9939,7 +9503,7 @@
               <p:nvPr/>
             </p:nvPicPr>
             <p:blipFill>
-              <a:blip r:embed="rId8" cstate="print"/>
+              <a:blip r:embed="rId7" cstate="print"/>
               <a:stretch>
                 <a:fillRect/>
               </a:stretch>
@@ -9993,7 +9557,7 @@
               <p:nvPr/>
             </p:nvPicPr>
             <p:blipFill>
-              <a:blip r:embed="rId7" cstate="print"/>
+              <a:blip r:embed="rId6" cstate="print"/>
               <a:stretch>
                 <a:fillRect/>
               </a:stretch>
@@ -10032,7 +9596,7 @@
               <p:nvPr/>
             </p:nvPicPr>
             <p:blipFill>
-              <a:blip r:embed="rId9" cstate="print"/>
+              <a:blip r:embed="rId8" cstate="print"/>
               <a:stretch>
                 <a:fillRect/>
               </a:stretch>
@@ -10071,7 +9635,7 @@
               <p:nvPr/>
             </p:nvPicPr>
             <p:blipFill>
-              <a:blip r:embed="rId9" cstate="print"/>
+              <a:blip r:embed="rId8" cstate="print"/>
               <a:stretch>
                 <a:fillRect/>
               </a:stretch>
@@ -10125,7 +9689,7 @@
               <p:nvPr/>
             </p:nvPicPr>
             <p:blipFill>
-              <a:blip r:embed="rId7" cstate="print"/>
+              <a:blip r:embed="rId6" cstate="print"/>
               <a:stretch>
                 <a:fillRect/>
               </a:stretch>
@@ -10164,7 +9728,7 @@
               <p:nvPr/>
             </p:nvPicPr>
             <p:blipFill>
-              <a:blip r:embed="rId10" cstate="print"/>
+              <a:blip r:embed="rId9" cstate="print"/>
               <a:stretch>
                 <a:fillRect/>
               </a:stretch>
@@ -10204,7 +9768,7 @@
             <p:nvPr/>
           </p:nvPicPr>
           <p:blipFill>
-            <a:blip r:embed="rId6" cstate="print"/>
+            <a:blip r:embed="rId5" cstate="print"/>
             <a:stretch>
               <a:fillRect/>
             </a:stretch>
@@ -10364,7 +9928,7 @@
             <p:nvPr/>
           </p:nvPicPr>
           <p:blipFill>
-            <a:blip r:embed="rId4" cstate="print"/>
+            <a:blip r:embed="rId3" cstate="print"/>
             <a:stretch>
               <a:fillRect/>
             </a:stretch>
@@ -10403,7 +9967,7 @@
             <p:nvPr/>
           </p:nvPicPr>
           <p:blipFill>
-            <a:blip r:embed="rId11" cstate="print"/>
+            <a:blip r:embed="rId10" cstate="print"/>
             <a:stretch>
               <a:fillRect/>
             </a:stretch>
@@ -10442,7 +10006,7 @@
             <p:nvPr/>
           </p:nvPicPr>
           <p:blipFill>
-            <a:blip r:embed="rId11" cstate="print"/>
+            <a:blip r:embed="rId10" cstate="print"/>
             <a:stretch>
               <a:fillRect/>
             </a:stretch>
@@ -10897,8 +10461,8 @@
         </p:nvSpPr>
         <p:spPr>
           <a:xfrm>
-            <a:off x="4211831" y="4731419"/>
-            <a:ext cx="7508787" cy="1569660"/>
+            <a:off x="4257833" y="4964324"/>
+            <a:ext cx="7705956" cy="830997"/>
           </a:xfrm>
           <a:prstGeom prst="rect">
             <a:avLst/>
@@ -11045,87 +10609,6 @@
               </a:rPr>
               <a:t>.</a:t>
             </a:r>
-          </a:p>
-          <a:p>
-            <a:r>
-              <a:rPr lang="ko-KR" altLang="en-US" sz="1600" dirty="0">
-                <a:solidFill>
-                  <a:schemeClr val="tx1">
-                    <a:lumMod val="85000"/>
-                    <a:lumOff val="15000"/>
-                  </a:schemeClr>
-                </a:solidFill>
-                <a:latin typeface="G마켓 산스 TTF Light" panose="02000000000000000000" pitchFamily="2" charset="-127"/>
-                <a:ea typeface="G마켓 산스 TTF Light" panose="02000000000000000000" pitchFamily="2" charset="-127"/>
-              </a:rPr>
-              <a:t>컨테이너 패딩 정해줘야 합니다</a:t>
-            </a:r>
-            <a:r>
-              <a:rPr lang="en-US" altLang="ko-KR" sz="1600" dirty="0">
-                <a:solidFill>
-                  <a:schemeClr val="tx1">
-                    <a:lumMod val="85000"/>
-                    <a:lumOff val="15000"/>
-                  </a:schemeClr>
-                </a:solidFill>
-                <a:latin typeface="G마켓 산스 TTF Light" panose="02000000000000000000" pitchFamily="2" charset="-127"/>
-                <a:ea typeface="G마켓 산스 TTF Light" panose="02000000000000000000" pitchFamily="2" charset="-127"/>
-              </a:rPr>
-              <a:t>.</a:t>
-            </a:r>
-          </a:p>
-          <a:p>
-            <a:r>
-              <a:rPr lang="en-US" altLang="ko-KR" sz="1600" dirty="0">
-                <a:solidFill>
-                  <a:schemeClr val="tx1">
-                    <a:lumMod val="85000"/>
-                    <a:lumOff val="15000"/>
-                  </a:schemeClr>
-                </a:solidFill>
-                <a:latin typeface="G마켓 산스 TTF Light" panose="02000000000000000000" pitchFamily="2" charset="-127"/>
-                <a:ea typeface="G마켓 산스 TTF Light" panose="02000000000000000000" pitchFamily="2" charset="-127"/>
-              </a:rPr>
-              <a:t>Color </a:t>
-            </a:r>
-            <a:r>
-              <a:rPr lang="ko-KR" altLang="en-US" sz="1600" dirty="0">
-                <a:solidFill>
-                  <a:schemeClr val="tx1">
-                    <a:lumMod val="85000"/>
-                    <a:lumOff val="15000"/>
-                  </a:schemeClr>
-                </a:solidFill>
-                <a:latin typeface="G마켓 산스 TTF Light" panose="02000000000000000000" pitchFamily="2" charset="-127"/>
-                <a:ea typeface="G마켓 산스 TTF Light" panose="02000000000000000000" pitchFamily="2" charset="-127"/>
-              </a:rPr>
-              <a:t>방향성을 같이 고민해주세요</a:t>
-            </a:r>
-            <a:r>
-              <a:rPr lang="en-US" altLang="ko-KR" sz="1600" dirty="0">
-                <a:solidFill>
-                  <a:schemeClr val="tx1">
-                    <a:lumMod val="85000"/>
-                    <a:lumOff val="15000"/>
-                  </a:schemeClr>
-                </a:solidFill>
-                <a:latin typeface="G마켓 산스 TTF Light" panose="02000000000000000000" pitchFamily="2" charset="-127"/>
-                <a:ea typeface="G마켓 산스 TTF Light" panose="02000000000000000000" pitchFamily="2" charset="-127"/>
-              </a:rPr>
-              <a:t>.</a:t>
-            </a:r>
-          </a:p>
-          <a:p>
-            <a:endParaRPr lang="en-US" altLang="ko-KR" sz="1600" dirty="0">
-              <a:solidFill>
-                <a:schemeClr val="tx1">
-                  <a:lumMod val="85000"/>
-                  <a:lumOff val="15000"/>
-                </a:schemeClr>
-              </a:solidFill>
-              <a:latin typeface="G마켓 산스 TTF Light" panose="02000000000000000000" pitchFamily="2" charset="-127"/>
-              <a:ea typeface="G마켓 산스 TTF Light" panose="02000000000000000000" pitchFamily="2" charset="-127"/>
-            </a:endParaRPr>
           </a:p>
         </p:txBody>
       </p:sp>
@@ -11183,7 +10666,7 @@
         <p:spPr>
           <a:xfrm>
             <a:off x="4216934" y="6248119"/>
-            <a:ext cx="9437199" cy="1323439"/>
+            <a:ext cx="9494907" cy="1077218"/>
           </a:xfrm>
           <a:prstGeom prst="rect">
             <a:avLst/>
@@ -11353,99 +10836,6 @@
                 <a:ea typeface="G마켓 산스 TTF Light" panose="02000000000000000000" pitchFamily="2" charset="-127"/>
               </a:rPr>
               <a:t>.</a:t>
-            </a:r>
-          </a:p>
-          <a:p>
-            <a:r>
-              <a:rPr lang="en-US" altLang="ko-KR" sz="1600" dirty="0">
-                <a:solidFill>
-                  <a:schemeClr val="tx1">
-                    <a:lumMod val="85000"/>
-                    <a:lumOff val="15000"/>
-                  </a:schemeClr>
-                </a:solidFill>
-                <a:latin typeface="G마켓 산스 TTF Light" panose="02000000000000000000" pitchFamily="2" charset="-127"/>
-                <a:ea typeface="G마켓 산스 TTF Light" panose="02000000000000000000" pitchFamily="2" charset="-127"/>
-              </a:rPr>
-              <a:t>Color </a:t>
-            </a:r>
-            <a:r>
-              <a:rPr lang="ko-KR" altLang="en-US" sz="1600" dirty="0">
-                <a:solidFill>
-                  <a:schemeClr val="tx1">
-                    <a:lumMod val="85000"/>
-                    <a:lumOff val="15000"/>
-                  </a:schemeClr>
-                </a:solidFill>
-                <a:latin typeface="G마켓 산스 TTF Light" panose="02000000000000000000" pitchFamily="2" charset="-127"/>
-                <a:ea typeface="G마켓 산스 TTF Light" panose="02000000000000000000" pitchFamily="2" charset="-127"/>
-              </a:rPr>
-              <a:t>관련</a:t>
-            </a:r>
-            <a:r>
-              <a:rPr lang="en-US" altLang="ko-KR" sz="1600" dirty="0">
-                <a:solidFill>
-                  <a:schemeClr val="tx1">
-                    <a:lumMod val="85000"/>
-                    <a:lumOff val="15000"/>
-                  </a:schemeClr>
-                </a:solidFill>
-                <a:latin typeface="G마켓 산스 TTF Light" panose="02000000000000000000" pitchFamily="2" charset="-127"/>
-                <a:ea typeface="G마켓 산스 TTF Light" panose="02000000000000000000" pitchFamily="2" charset="-127"/>
-              </a:rPr>
-              <a:t> class </a:t>
-            </a:r>
-            <a:r>
-              <a:rPr lang="ko-KR" altLang="en-US" sz="1600" dirty="0">
-                <a:solidFill>
-                  <a:schemeClr val="tx1">
-                    <a:lumMod val="85000"/>
-                    <a:lumOff val="15000"/>
-                  </a:schemeClr>
-                </a:solidFill>
-                <a:latin typeface="G마켓 산스 TTF Light" panose="02000000000000000000" pitchFamily="2" charset="-127"/>
-                <a:ea typeface="G마켓 산스 TTF Light" panose="02000000000000000000" pitchFamily="2" charset="-127"/>
-              </a:rPr>
-              <a:t>보강</a:t>
-            </a:r>
-            <a:r>
-              <a:rPr lang="en-US" altLang="ko-KR" sz="1600" dirty="0">
-                <a:solidFill>
-                  <a:schemeClr val="tx1">
-                    <a:lumMod val="85000"/>
-                    <a:lumOff val="15000"/>
-                  </a:schemeClr>
-                </a:solidFill>
-                <a:latin typeface="G마켓 산스 TTF Light" panose="02000000000000000000" pitchFamily="2" charset="-127"/>
-                <a:ea typeface="G마켓 산스 TTF Light" panose="02000000000000000000" pitchFamily="2" charset="-127"/>
-              </a:rPr>
-              <a:t>(</a:t>
-            </a:r>
-            <a:r>
-              <a:rPr lang="ko-KR" altLang="en-US" sz="1600" dirty="0">
-                <a:solidFill>
-                  <a:schemeClr val="tx1">
-                    <a:lumMod val="85000"/>
-                    <a:lumOff val="15000"/>
-                  </a:schemeClr>
-                </a:solidFill>
-                <a:latin typeface="G마켓 산스 TTF Light" panose="02000000000000000000" pitchFamily="2" charset="-127"/>
-                <a:ea typeface="G마켓 산스 TTF Light" panose="02000000000000000000" pitchFamily="2" charset="-127"/>
-              </a:rPr>
-              <a:t>직접적이지 않다 보니 헷갈립니다</a:t>
-            </a:r>
-            <a:r>
-              <a:rPr lang="en-US" altLang="ko-KR" sz="1600" dirty="0">
-                <a:solidFill>
-                  <a:schemeClr val="tx1">
-                    <a:lumMod val="85000"/>
-                    <a:lumOff val="15000"/>
-                  </a:schemeClr>
-                </a:solidFill>
-                <a:latin typeface="G마켓 산스 TTF Light" panose="02000000000000000000" pitchFamily="2" charset="-127"/>
-                <a:ea typeface="G마켓 산스 TTF Light" panose="02000000000000000000" pitchFamily="2" charset="-127"/>
-              </a:rPr>
-              <a:t>.)</a:t>
             </a:r>
           </a:p>
           <a:p>
@@ -11551,7 +10941,7 @@
             <p:nvPr/>
           </p:nvPicPr>
           <p:blipFill>
-            <a:blip r:embed="rId4" cstate="print"/>
+            <a:blip r:embed="rId3" cstate="print"/>
             <a:stretch>
               <a:fillRect/>
             </a:stretch>
@@ -12876,319 +12266,4 @@
   <a:objectDefaults/>
   <a:extraClrSchemeLst/>
 </a:theme>
-</file>
-
-<file path=ppt/theme/theme2.xml><?xml version="1.0" encoding="utf-8"?>
-<a:theme xmlns:a="http://schemas.openxmlformats.org/drawingml/2006/main" name="Office 테마">
-  <a:themeElements>
-    <a:clrScheme name="Office">
-      <a:dk1>
-        <a:sysClr val="windowText" lastClr="000000"/>
-      </a:dk1>
-      <a:lt1>
-        <a:sysClr val="window" lastClr="FFFFFF"/>
-      </a:lt1>
-      <a:dk2>
-        <a:srgbClr val="0E2841"/>
-      </a:dk2>
-      <a:lt2>
-        <a:srgbClr val="E8E8E8"/>
-      </a:lt2>
-      <a:accent1>
-        <a:srgbClr val="156082"/>
-      </a:accent1>
-      <a:accent2>
-        <a:srgbClr val="E97132"/>
-      </a:accent2>
-      <a:accent3>
-        <a:srgbClr val="196B24"/>
-      </a:accent3>
-      <a:accent4>
-        <a:srgbClr val="0F9ED5"/>
-      </a:accent4>
-      <a:accent5>
-        <a:srgbClr val="A02B93"/>
-      </a:accent5>
-      <a:accent6>
-        <a:srgbClr val="4EA72E"/>
-      </a:accent6>
-      <a:hlink>
-        <a:srgbClr val="467886"/>
-      </a:hlink>
-      <a:folHlink>
-        <a:srgbClr val="96607D"/>
-      </a:folHlink>
-    </a:clrScheme>
-    <a:fontScheme name="Office">
-      <a:majorFont>
-        <a:latin typeface="맑은 고딕" panose="02110004020202020204"/>
-        <a:ea typeface=""/>
-        <a:cs typeface=""/>
-        <a:font script="Jpan" typeface="游ゴシック Light"/>
-        <a:font script="Hang" typeface="맑은 고딕"/>
-        <a:font script="Hans" typeface="等线 Light"/>
-        <a:font script="Hant" typeface="新細明體"/>
-        <a:font script="Arab" typeface="Times New Roman"/>
-        <a:font script="Hebr" typeface="Times New Roman"/>
-        <a:font script="Thai" typeface="Angsana New"/>
-        <a:font script="Ethi" typeface="Nyala"/>
-        <a:font script="Beng" typeface="Vrinda"/>
-        <a:font script="Gujr" typeface="Shruti"/>
-        <a:font script="Khmr" typeface="MoolBoran"/>
-        <a:font script="Knda" typeface="Tunga"/>
-        <a:font script="Guru" typeface="Raavi"/>
-        <a:font script="Cans" typeface="Euphemia"/>
-        <a:font script="Cher" typeface="Plantagenet Cherokee"/>
-        <a:font script="Yiii" typeface="Microsoft Yi Baiti"/>
-        <a:font script="Tibt" typeface="Microsoft Himalaya"/>
-        <a:font script="Thaa" typeface="MV Boli"/>
-        <a:font script="Deva" typeface="Mangal"/>
-        <a:font script="Telu" typeface="Gautami"/>
-        <a:font script="Taml" typeface="Latha"/>
-        <a:font script="Syrc" typeface="Estrangelo Edessa"/>
-        <a:font script="Orya" typeface="Kalinga"/>
-        <a:font script="Mlym" typeface="Kartika"/>
-        <a:font script="Laoo" typeface="DokChampa"/>
-        <a:font script="Sinh" typeface="Iskoola Pota"/>
-        <a:font script="Mong" typeface="Mongolian Baiti"/>
-        <a:font script="Viet" typeface="Times New Roman"/>
-        <a:font script="Uigh" typeface="Microsoft Uighur"/>
-        <a:font script="Geor" typeface="Sylfaen"/>
-        <a:font script="Armn" typeface="Arial"/>
-        <a:font script="Bugi" typeface="Leelawadee UI"/>
-        <a:font script="Bopo" typeface="Microsoft JhengHei"/>
-        <a:font script="Java" typeface="Javanese Text"/>
-        <a:font script="Lisu" typeface="Segoe UI"/>
-        <a:font script="Mymr" typeface="Myanmar Text"/>
-        <a:font script="Nkoo" typeface="Ebrima"/>
-        <a:font script="Olck" typeface="Nirmala UI"/>
-        <a:font script="Osma" typeface="Ebrima"/>
-        <a:font script="Phag" typeface="Phagspa"/>
-        <a:font script="Syrn" typeface="Estrangelo Edessa"/>
-        <a:font script="Syrj" typeface="Estrangelo Edessa"/>
-        <a:font script="Syre" typeface="Estrangelo Edessa"/>
-        <a:font script="Sora" typeface="Nirmala UI"/>
-        <a:font script="Tale" typeface="Microsoft Tai Le"/>
-        <a:font script="Talu" typeface="Microsoft New Tai Lue"/>
-        <a:font script="Tfng" typeface="Ebrima"/>
-      </a:majorFont>
-      <a:minorFont>
-        <a:latin typeface="맑은 고딕" panose="02110004020202020204"/>
-        <a:ea typeface=""/>
-        <a:cs typeface=""/>
-        <a:font script="Jpan" typeface="游ゴシック"/>
-        <a:font script="Hang" typeface="맑은 고딕"/>
-        <a:font script="Hans" typeface="等线"/>
-        <a:font script="Hant" typeface="新細明體"/>
-        <a:font script="Arab" typeface="Arial"/>
-        <a:font script="Hebr" typeface="Arial"/>
-        <a:font script="Thai" typeface="Cordia New"/>
-        <a:font script="Ethi" typeface="Nyala"/>
-        <a:font script="Beng" typeface="Vrinda"/>
-        <a:font script="Gujr" typeface="Shruti"/>
-        <a:font script="Khmr" typeface="DaunPenh"/>
-        <a:font script="Knda" typeface="Tunga"/>
-        <a:font script="Guru" typeface="Raavi"/>
-        <a:font script="Cans" typeface="Euphemia"/>
-        <a:font script="Cher" typeface="Plantagenet Cherokee"/>
-        <a:font script="Yiii" typeface="Microsoft Yi Baiti"/>
-        <a:font script="Tibt" typeface="Microsoft Himalaya"/>
-        <a:font script="Thaa" typeface="MV Boli"/>
-        <a:font script="Deva" typeface="Mangal"/>
-        <a:font script="Telu" typeface="Gautami"/>
-        <a:font script="Taml" typeface="Latha"/>
-        <a:font script="Syrc" typeface="Estrangelo Edessa"/>
-        <a:font script="Orya" typeface="Kalinga"/>
-        <a:font script="Mlym" typeface="Kartika"/>
-        <a:font script="Laoo" typeface="DokChampa"/>
-        <a:font script="Sinh" typeface="Iskoola Pota"/>
-        <a:font script="Mong" typeface="Mongolian Baiti"/>
-        <a:font script="Viet" typeface="Arial"/>
-        <a:font script="Uigh" typeface="Microsoft Uighur"/>
-        <a:font script="Geor" typeface="Sylfaen"/>
-        <a:font script="Armn" typeface="Arial"/>
-        <a:font script="Bugi" typeface="Leelawadee UI"/>
-        <a:font script="Bopo" typeface="Microsoft JhengHei"/>
-        <a:font script="Java" typeface="Javanese Text"/>
-        <a:font script="Lisu" typeface="Segoe UI"/>
-        <a:font script="Mymr" typeface="Myanmar Text"/>
-        <a:font script="Nkoo" typeface="Ebrima"/>
-        <a:font script="Olck" typeface="Nirmala UI"/>
-        <a:font script="Osma" typeface="Ebrima"/>
-        <a:font script="Phag" typeface="Phagspa"/>
-        <a:font script="Syrn" typeface="Estrangelo Edessa"/>
-        <a:font script="Syrj" typeface="Estrangelo Edessa"/>
-        <a:font script="Syre" typeface="Estrangelo Edessa"/>
-        <a:font script="Sora" typeface="Nirmala UI"/>
-        <a:font script="Tale" typeface="Microsoft Tai Le"/>
-        <a:font script="Talu" typeface="Microsoft New Tai Lue"/>
-        <a:font script="Tfng" typeface="Ebrima"/>
-      </a:minorFont>
-    </a:fontScheme>
-    <a:fmtScheme name="Office">
-      <a:fillStyleLst>
-        <a:solidFill>
-          <a:schemeClr val="phClr"/>
-        </a:solidFill>
-        <a:gradFill rotWithShape="1">
-          <a:gsLst>
-            <a:gs pos="0">
-              <a:schemeClr val="phClr">
-                <a:lumMod val="110000"/>
-                <a:satMod val="105000"/>
-                <a:tint val="67000"/>
-              </a:schemeClr>
-            </a:gs>
-            <a:gs pos="50000">
-              <a:schemeClr val="phClr">
-                <a:lumMod val="105000"/>
-                <a:satMod val="103000"/>
-                <a:tint val="73000"/>
-              </a:schemeClr>
-            </a:gs>
-            <a:gs pos="100000">
-              <a:schemeClr val="phClr">
-                <a:lumMod val="105000"/>
-                <a:satMod val="109000"/>
-                <a:tint val="81000"/>
-              </a:schemeClr>
-            </a:gs>
-          </a:gsLst>
-          <a:lin ang="5400000" scaled="0"/>
-        </a:gradFill>
-        <a:gradFill rotWithShape="1">
-          <a:gsLst>
-            <a:gs pos="0">
-              <a:schemeClr val="phClr">
-                <a:satMod val="103000"/>
-                <a:lumMod val="102000"/>
-                <a:tint val="94000"/>
-              </a:schemeClr>
-            </a:gs>
-            <a:gs pos="50000">
-              <a:schemeClr val="phClr">
-                <a:satMod val="110000"/>
-                <a:lumMod val="100000"/>
-                <a:shade val="100000"/>
-              </a:schemeClr>
-            </a:gs>
-            <a:gs pos="100000">
-              <a:schemeClr val="phClr">
-                <a:lumMod val="99000"/>
-                <a:satMod val="120000"/>
-                <a:shade val="78000"/>
-              </a:schemeClr>
-            </a:gs>
-          </a:gsLst>
-          <a:lin ang="5400000" scaled="0"/>
-        </a:gradFill>
-      </a:fillStyleLst>
-      <a:lnStyleLst>
-        <a:ln w="12700" cap="flat" cmpd="sng" algn="ctr">
-          <a:solidFill>
-            <a:schemeClr val="phClr"/>
-          </a:solidFill>
-          <a:prstDash val="solid"/>
-          <a:miter lim="800000"/>
-        </a:ln>
-        <a:ln w="19050" cap="flat" cmpd="sng" algn="ctr">
-          <a:solidFill>
-            <a:schemeClr val="phClr"/>
-          </a:solidFill>
-          <a:prstDash val="solid"/>
-          <a:miter lim="800000"/>
-        </a:ln>
-        <a:ln w="25400" cap="flat" cmpd="sng" algn="ctr">
-          <a:solidFill>
-            <a:schemeClr val="phClr"/>
-          </a:solidFill>
-          <a:prstDash val="solid"/>
-          <a:miter lim="800000"/>
-        </a:ln>
-      </a:lnStyleLst>
-      <a:effectStyleLst>
-        <a:effectStyle>
-          <a:effectLst/>
-        </a:effectStyle>
-        <a:effectStyle>
-          <a:effectLst/>
-        </a:effectStyle>
-        <a:effectStyle>
-          <a:effectLst>
-            <a:outerShdw blurRad="57150" dist="19050" dir="5400000" algn="ctr" rotWithShape="0">
-              <a:srgbClr val="000000">
-                <a:alpha val="63000"/>
-              </a:srgbClr>
-            </a:outerShdw>
-          </a:effectLst>
-        </a:effectStyle>
-      </a:effectStyleLst>
-      <a:bgFillStyleLst>
-        <a:solidFill>
-          <a:schemeClr val="phClr"/>
-        </a:solidFill>
-        <a:solidFill>
-          <a:schemeClr val="phClr">
-            <a:tint val="95000"/>
-            <a:satMod val="170000"/>
-          </a:schemeClr>
-        </a:solidFill>
-        <a:gradFill rotWithShape="1">
-          <a:gsLst>
-            <a:gs pos="0">
-              <a:schemeClr val="phClr">
-                <a:tint val="93000"/>
-                <a:satMod val="150000"/>
-                <a:shade val="98000"/>
-                <a:lumMod val="102000"/>
-              </a:schemeClr>
-            </a:gs>
-            <a:gs pos="50000">
-              <a:schemeClr val="phClr">
-                <a:tint val="98000"/>
-                <a:satMod val="130000"/>
-                <a:shade val="90000"/>
-                <a:lumMod val="103000"/>
-              </a:schemeClr>
-            </a:gs>
-            <a:gs pos="100000">
-              <a:schemeClr val="phClr">
-                <a:shade val="63000"/>
-                <a:satMod val="120000"/>
-              </a:schemeClr>
-            </a:gs>
-          </a:gsLst>
-          <a:lin ang="5400000" scaled="0"/>
-        </a:gradFill>
-      </a:bgFillStyleLst>
-    </a:fmtScheme>
-  </a:themeElements>
-  <a:objectDefaults>
-    <a:lnDef>
-      <a:spPr/>
-      <a:bodyPr/>
-      <a:lstStyle/>
-      <a:style>
-        <a:lnRef idx="2">
-          <a:schemeClr val="accent1"/>
-        </a:lnRef>
-        <a:fillRef idx="0">
-          <a:schemeClr val="accent1"/>
-        </a:fillRef>
-        <a:effectRef idx="1">
-          <a:schemeClr val="accent1"/>
-        </a:effectRef>
-        <a:fontRef idx="minor">
-          <a:schemeClr val="tx1"/>
-        </a:fontRef>
-      </a:style>
-    </a:lnDef>
-  </a:objectDefaults>
-  <a:extraClrSchemeLst/>
-  <a:extLst>
-    <a:ext uri="{05A4C25C-085E-4340-85A3-A5531E510DB2}">
-      <thm15:themeFamily xmlns:thm15="http://schemas.microsoft.com/office/thememl/2012/main" name="Office Theme" id="{2E142A2C-CD16-42D6-873A-C26D2A0506FA}" vid="{1BDDFF52-6CD6-40A5-AB3C-68EB2F1E4D0A}"/>
-    </a:ext>
-  </a:extLst>
-</a:theme>
 </file>